--- a/Final_project/FinalPresentationLaws.pptx
+++ b/Final_project/FinalPresentationLaws.pptx
@@ -11,8 +11,9 @@
     <p:sldId id="261" r:id="rId5"/>
     <p:sldId id="260" r:id="rId6"/>
     <p:sldId id="262" r:id="rId7"/>
-    <p:sldId id="263" r:id="rId8"/>
-    <p:sldId id="264" r:id="rId9"/>
+    <p:sldId id="265" r:id="rId8"/>
+    <p:sldId id="263" r:id="rId9"/>
+    <p:sldId id="264" r:id="rId10"/>
   </p:sldIdLst>
   <p:sldSz cx="12192000" cy="6858000"/>
   <p:notesSz cx="6858000" cy="9144000"/>
@@ -295,7 +296,7 @@
           <a:p>
             <a:fld id="{D41B3C99-03DA-4FF9-8EC1-A8D4A0AF62C2}" type="datetimeFigureOut">
               <a:rPr lang="en-US" smtClean="0"/>
-              <a:t>12/1/2021</a:t>
+              <a:t>12/2/2021</a:t>
             </a:fld>
             <a:endParaRPr lang="en-US"/>
           </a:p>
@@ -493,7 +494,7 @@
           <a:p>
             <a:fld id="{D41B3C99-03DA-4FF9-8EC1-A8D4A0AF62C2}" type="datetimeFigureOut">
               <a:rPr lang="en-US" smtClean="0"/>
-              <a:t>12/1/2021</a:t>
+              <a:t>12/2/2021</a:t>
             </a:fld>
             <a:endParaRPr lang="en-US"/>
           </a:p>
@@ -701,7 +702,7 @@
           <a:p>
             <a:fld id="{D41B3C99-03DA-4FF9-8EC1-A8D4A0AF62C2}" type="datetimeFigureOut">
               <a:rPr lang="en-US" smtClean="0"/>
-              <a:t>12/1/2021</a:t>
+              <a:t>12/2/2021</a:t>
             </a:fld>
             <a:endParaRPr lang="en-US"/>
           </a:p>
@@ -899,7 +900,7 @@
           <a:p>
             <a:fld id="{D41B3C99-03DA-4FF9-8EC1-A8D4A0AF62C2}" type="datetimeFigureOut">
               <a:rPr lang="en-US" smtClean="0"/>
-              <a:t>12/1/2021</a:t>
+              <a:t>12/2/2021</a:t>
             </a:fld>
             <a:endParaRPr lang="en-US"/>
           </a:p>
@@ -1174,7 +1175,7 @@
           <a:p>
             <a:fld id="{D41B3C99-03DA-4FF9-8EC1-A8D4A0AF62C2}" type="datetimeFigureOut">
               <a:rPr lang="en-US" smtClean="0"/>
-              <a:t>12/1/2021</a:t>
+              <a:t>12/2/2021</a:t>
             </a:fld>
             <a:endParaRPr lang="en-US"/>
           </a:p>
@@ -1439,7 +1440,7 @@
           <a:p>
             <a:fld id="{D41B3C99-03DA-4FF9-8EC1-A8D4A0AF62C2}" type="datetimeFigureOut">
               <a:rPr lang="en-US" smtClean="0"/>
-              <a:t>12/1/2021</a:t>
+              <a:t>12/2/2021</a:t>
             </a:fld>
             <a:endParaRPr lang="en-US"/>
           </a:p>
@@ -1851,7 +1852,7 @@
           <a:p>
             <a:fld id="{D41B3C99-03DA-4FF9-8EC1-A8D4A0AF62C2}" type="datetimeFigureOut">
               <a:rPr lang="en-US" smtClean="0"/>
-              <a:t>12/1/2021</a:t>
+              <a:t>12/2/2021</a:t>
             </a:fld>
             <a:endParaRPr lang="en-US"/>
           </a:p>
@@ -1992,7 +1993,7 @@
           <a:p>
             <a:fld id="{D41B3C99-03DA-4FF9-8EC1-A8D4A0AF62C2}" type="datetimeFigureOut">
               <a:rPr lang="en-US" smtClean="0"/>
-              <a:t>12/1/2021</a:t>
+              <a:t>12/2/2021</a:t>
             </a:fld>
             <a:endParaRPr lang="en-US"/>
           </a:p>
@@ -2105,7 +2106,7 @@
           <a:p>
             <a:fld id="{D41B3C99-03DA-4FF9-8EC1-A8D4A0AF62C2}" type="datetimeFigureOut">
               <a:rPr lang="en-US" smtClean="0"/>
-              <a:t>12/1/2021</a:t>
+              <a:t>12/2/2021</a:t>
             </a:fld>
             <a:endParaRPr lang="en-US"/>
           </a:p>
@@ -2416,7 +2417,7 @@
           <a:p>
             <a:fld id="{D41B3C99-03DA-4FF9-8EC1-A8D4A0AF62C2}" type="datetimeFigureOut">
               <a:rPr lang="en-US" smtClean="0"/>
-              <a:t>12/1/2021</a:t>
+              <a:t>12/2/2021</a:t>
             </a:fld>
             <a:endParaRPr lang="en-US"/>
           </a:p>
@@ -2704,7 +2705,7 @@
           <a:p>
             <a:fld id="{D41B3C99-03DA-4FF9-8EC1-A8D4A0AF62C2}" type="datetimeFigureOut">
               <a:rPr lang="en-US" smtClean="0"/>
-              <a:t>12/1/2021</a:t>
+              <a:t>12/2/2021</a:t>
             </a:fld>
             <a:endParaRPr lang="en-US"/>
           </a:p>
@@ -2951,7 +2952,7 @@
           <a:p>
             <a:fld id="{D41B3C99-03DA-4FF9-8EC1-A8D4A0AF62C2}" type="datetimeFigureOut">
               <a:rPr lang="en-US" smtClean="0"/>
-              <a:t>12/1/2021</a:t>
+              <a:t>12/2/2021</a:t>
             </a:fld>
             <a:endParaRPr lang="en-US"/>
           </a:p>
@@ -4511,7 +4512,7 @@
           <a:p>
             <a:r>
               <a:rPr lang="en-US" dirty="0"/>
-              <a:t>Results/Discussion</a:t>
+              <a:t>Results</a:t>
             </a:r>
           </a:p>
         </p:txBody>
@@ -4532,15 +4533,126 @@
             <p:ph idx="1"/>
           </p:nvPr>
         </p:nvSpPr>
-        <p:spPr/>
-        <p:txBody>
-          <a:bodyPr/>
-          <a:lstStyle/>
-          <a:p>
-            <a:endParaRPr lang="en-US"/>
-          </a:p>
-        </p:txBody>
-      </p:sp>
+        <p:spPr>
+          <a:xfrm>
+            <a:off x="838200" y="1825625"/>
+            <a:ext cx="4082895" cy="4351338"/>
+          </a:xfrm>
+        </p:spPr>
+        <p:txBody>
+          <a:bodyPr/>
+          <a:lstStyle/>
+          <a:p>
+            <a:r>
+              <a:rPr lang="en-US" dirty="0"/>
+              <a:t>Comparing Methods</a:t>
+            </a:r>
+          </a:p>
+          <a:p>
+            <a:pPr lvl="1"/>
+            <a:r>
+              <a:rPr lang="en-US" dirty="0"/>
+              <a:t>Lower p-values in MC, shorter list</a:t>
+            </a:r>
+          </a:p>
+          <a:p>
+            <a:r>
+              <a:rPr lang="en-US" dirty="0"/>
+              <a:t>Moran’s I</a:t>
+            </a:r>
+          </a:p>
+          <a:p>
+            <a:pPr lvl="1"/>
+            <a:r>
+              <a:rPr lang="en-US" dirty="0"/>
+              <a:t>Moderate spatial clustering </a:t>
+            </a:r>
+          </a:p>
+          <a:p>
+            <a:pPr lvl="1"/>
+            <a:r>
+              <a:rPr lang="en-US" dirty="0"/>
+              <a:t>NLH highest clustering (both aggregations)</a:t>
+            </a:r>
+          </a:p>
+          <a:p>
+            <a:pPr lvl="1"/>
+            <a:endParaRPr lang="en-US" dirty="0"/>
+          </a:p>
+        </p:txBody>
+      </p:sp>
+      <p:pic>
+        <p:nvPicPr>
+          <p:cNvPr id="7" name="Picture 6" descr="Table&#10;&#10;Description automatically generated">
+            <a:extLst>
+              <a:ext uri="{FF2B5EF4-FFF2-40B4-BE49-F238E27FC236}">
+                <a16:creationId xmlns:a16="http://schemas.microsoft.com/office/drawing/2014/main" id="{4327805A-094D-4FAA-8FD3-A56FB5F6ACF8}"/>
+              </a:ext>
+            </a:extLst>
+          </p:cNvPr>
+          <p:cNvPicPr>
+            <a:picLocks noChangeAspect="1"/>
+          </p:cNvPicPr>
+          <p:nvPr/>
+        </p:nvPicPr>
+        <p:blipFill>
+          <a:blip r:embed="rId2">
+            <a:extLst>
+              <a:ext uri="{28A0092B-C50C-407E-A947-70E740481C1C}">
+                <a14:useLocalDpi xmlns:a14="http://schemas.microsoft.com/office/drawing/2010/main" val="0"/>
+              </a:ext>
+            </a:extLst>
+          </a:blip>
+          <a:stretch>
+            <a:fillRect/>
+          </a:stretch>
+        </p:blipFill>
+        <p:spPr>
+          <a:xfrm>
+            <a:off x="5178129" y="0"/>
+            <a:ext cx="2739422" cy="6858000"/>
+          </a:xfrm>
+          <a:prstGeom prst="rect">
+            <a:avLst/>
+          </a:prstGeom>
+        </p:spPr>
+      </p:pic>
+      <p:pic>
+        <p:nvPicPr>
+          <p:cNvPr id="9" name="Picture 8" descr="A screenshot of a text message&#10;&#10;Description automatically generated with medium confidence">
+            <a:extLst>
+              <a:ext uri="{FF2B5EF4-FFF2-40B4-BE49-F238E27FC236}">
+                <a16:creationId xmlns:a16="http://schemas.microsoft.com/office/drawing/2014/main" id="{4131E23C-056E-4B66-8CAE-56D410EE6201}"/>
+              </a:ext>
+            </a:extLst>
+          </p:cNvPr>
+          <p:cNvPicPr>
+            <a:picLocks noChangeAspect="1"/>
+          </p:cNvPicPr>
+          <p:nvPr/>
+        </p:nvPicPr>
+        <p:blipFill>
+          <a:blip r:embed="rId3">
+            <a:extLst>
+              <a:ext uri="{28A0092B-C50C-407E-A947-70E740481C1C}">
+                <a14:useLocalDpi xmlns:a14="http://schemas.microsoft.com/office/drawing/2010/main" val="0"/>
+              </a:ext>
+            </a:extLst>
+          </a:blip>
+          <a:stretch>
+            <a:fillRect/>
+          </a:stretch>
+        </p:blipFill>
+        <p:spPr>
+          <a:xfrm>
+            <a:off x="8214031" y="0"/>
+            <a:ext cx="3396803" cy="6858000"/>
+          </a:xfrm>
+          <a:prstGeom prst="rect">
+            <a:avLst/>
+          </a:prstGeom>
+        </p:spPr>
+      </p:pic>
     </p:spTree>
     <p:extLst>
       <p:ext uri="{BB962C8B-B14F-4D97-AF65-F5344CB8AC3E}">
@@ -4576,6 +4688,110 @@
           <p:cNvPr id="2" name="Title 1">
             <a:extLst>
               <a:ext uri="{FF2B5EF4-FFF2-40B4-BE49-F238E27FC236}">
+                <a16:creationId xmlns:a16="http://schemas.microsoft.com/office/drawing/2014/main" id="{EAA90451-18F2-4A7E-A6B3-EE50293F8CAB}"/>
+              </a:ext>
+            </a:extLst>
+          </p:cNvPr>
+          <p:cNvSpPr>
+            <a:spLocks noGrp="1"/>
+          </p:cNvSpPr>
+          <p:nvPr>
+            <p:ph type="title"/>
+          </p:nvPr>
+        </p:nvSpPr>
+        <p:spPr/>
+        <p:txBody>
+          <a:bodyPr/>
+          <a:lstStyle/>
+          <a:p>
+            <a:r>
+              <a:rPr lang="en-US" dirty="0"/>
+              <a:t>Results</a:t>
+            </a:r>
+          </a:p>
+        </p:txBody>
+      </p:sp>
+      <p:sp>
+        <p:nvSpPr>
+          <p:cNvPr id="3" name="Content Placeholder 2">
+            <a:extLst>
+              <a:ext uri="{FF2B5EF4-FFF2-40B4-BE49-F238E27FC236}">
+                <a16:creationId xmlns:a16="http://schemas.microsoft.com/office/drawing/2014/main" id="{A290D4EC-5ED7-4950-8EFE-3CC09F318D2A}"/>
+              </a:ext>
+            </a:extLst>
+          </p:cNvPr>
+          <p:cNvSpPr>
+            <a:spLocks noGrp="1"/>
+          </p:cNvSpPr>
+          <p:nvPr>
+            <p:ph idx="1"/>
+          </p:nvPr>
+        </p:nvSpPr>
+        <p:spPr/>
+        <p:txBody>
+          <a:bodyPr/>
+          <a:lstStyle/>
+          <a:p>
+            <a:r>
+              <a:rPr lang="en-US" dirty="0"/>
+              <a:t>NLH Mean LISA</a:t>
+            </a:r>
+          </a:p>
+          <a:p>
+            <a:endParaRPr lang="en-US" dirty="0"/>
+          </a:p>
+          <a:p>
+            <a:endParaRPr lang="en-US" dirty="0"/>
+          </a:p>
+          <a:p>
+            <a:endParaRPr lang="en-US" dirty="0"/>
+          </a:p>
+          <a:p>
+            <a:endParaRPr lang="en-US" dirty="0"/>
+          </a:p>
+          <a:p>
+            <a:r>
+              <a:rPr lang="en-US" dirty="0"/>
+              <a:t>NLH Median LISA</a:t>
+            </a:r>
+          </a:p>
+        </p:txBody>
+      </p:sp>
+    </p:spTree>
+    <p:extLst>
+      <p:ext uri="{BB962C8B-B14F-4D97-AF65-F5344CB8AC3E}">
+        <p14:creationId xmlns:p14="http://schemas.microsoft.com/office/powerpoint/2010/main" val="2059392324"/>
+      </p:ext>
+    </p:extLst>
+  </p:cSld>
+  <p:clrMapOvr>
+    <a:masterClrMapping/>
+  </p:clrMapOvr>
+</p:sld>
+</file>
+
+<file path=ppt/slides/slide8.xml><?xml version="1.0" encoding="utf-8"?>
+<p:sld xmlns:a="http://schemas.openxmlformats.org/drawingml/2006/main" xmlns:r="http://schemas.openxmlformats.org/officeDocument/2006/relationships" xmlns:p="http://schemas.openxmlformats.org/presentationml/2006/main">
+  <p:cSld>
+    <p:spTree>
+      <p:nvGrpSpPr>
+        <p:cNvPr id="1" name=""/>
+        <p:cNvGrpSpPr/>
+        <p:nvPr/>
+      </p:nvGrpSpPr>
+      <p:grpSpPr>
+        <a:xfrm>
+          <a:off x="0" y="0"/>
+          <a:ext cx="0" cy="0"/>
+          <a:chOff x="0" y="0"/>
+          <a:chExt cx="0" cy="0"/>
+        </a:xfrm>
+      </p:grpSpPr>
+      <p:sp>
+        <p:nvSpPr>
+          <p:cNvPr id="2" name="Title 1">
+            <a:extLst>
+              <a:ext uri="{FF2B5EF4-FFF2-40B4-BE49-F238E27FC236}">
                 <a16:creationId xmlns:a16="http://schemas.microsoft.com/office/drawing/2014/main" id="{0DACC8C7-74BD-49D5-AD82-48793367E15A}"/>
               </a:ext>
             </a:extLst>
@@ -4637,7 +4853,7 @@
 </p:sld>
 </file>
 
-<file path=ppt/slides/slide8.xml><?xml version="1.0" encoding="utf-8"?>
+<file path=ppt/slides/slide9.xml><?xml version="1.0" encoding="utf-8"?>
 <p:sld xmlns:a="http://schemas.openxmlformats.org/drawingml/2006/main" xmlns:r="http://schemas.openxmlformats.org/officeDocument/2006/relationships" xmlns:p="http://schemas.openxmlformats.org/presentationml/2006/main">
   <p:cSld>
     <p:spTree>

--- a/Final_project/FinalPresentationLaws.pptx
+++ b/Final_project/FinalPresentationLaws.pptx
@@ -4115,6 +4115,36 @@
           </a:p>
         </p:txBody>
       </p:sp>
+      <p:pic>
+        <p:nvPicPr>
+          <p:cNvPr id="5" name="Picture 4">
+            <a:extLst>
+              <a:ext uri="{FF2B5EF4-FFF2-40B4-BE49-F238E27FC236}">
+                <a16:creationId xmlns:a16="http://schemas.microsoft.com/office/drawing/2014/main" id="{690AE6AD-C0B4-410F-A135-DB9683D9B941}"/>
+              </a:ext>
+            </a:extLst>
+          </p:cNvPr>
+          <p:cNvPicPr>
+            <a:picLocks noChangeAspect="1"/>
+          </p:cNvPicPr>
+          <p:nvPr/>
+        </p:nvPicPr>
+        <p:blipFill>
+          <a:blip r:embed="rId2"/>
+          <a:stretch>
+            <a:fillRect/>
+          </a:stretch>
+        </p:blipFill>
+        <p:spPr>
+          <a:xfrm>
+            <a:off x="4209819" y="208137"/>
+            <a:ext cx="7734738" cy="4773438"/>
+          </a:xfrm>
+          <a:prstGeom prst="rect">
+            <a:avLst/>
+          </a:prstGeom>
+        </p:spPr>
+      </p:pic>
     </p:spTree>
     <p:extLst>
       <p:ext uri="{BB962C8B-B14F-4D97-AF65-F5344CB8AC3E}">
@@ -4192,9 +4222,15 @@
         <p:spPr/>
         <p:txBody>
           <a:bodyPr>
-            <a:normAutofit lnSpcReduction="10000"/>
+            <a:normAutofit fontScale="92500" lnSpcReduction="10000"/>
           </a:bodyPr>
           <a:lstStyle/>
+          <a:p>
+            <a:r>
+              <a:rPr lang="en-US" dirty="0"/>
+              <a:t>Did not parse values by sex</a:t>
+            </a:r>
+          </a:p>
           <a:p>
             <a:r>
               <a:rPr lang="en-US" dirty="0"/>
@@ -4390,7 +4426,7 @@
           <a:p>
             <a:r>
               <a:rPr lang="en-US" dirty="0"/>
-              <a:t>Changes in Indian states</a:t>
+              <a:t>Changes in boundaries (1909 vs 2020)</a:t>
             </a:r>
           </a:p>
           <a:p>
@@ -4422,7 +4458,7 @@
           <a:p>
             <a:r>
               <a:rPr lang="en-US" dirty="0"/>
-              <a:t>Methodology for field</a:t>
+              <a:t>Methodology in forensic anthropology </a:t>
             </a:r>
           </a:p>
           <a:p>
@@ -4512,7 +4548,7 @@
           <a:p>
             <a:r>
               <a:rPr lang="en-US" dirty="0"/>
-              <a:t>Results</a:t>
+              <a:t>Results/Discussion</a:t>
             </a:r>
           </a:p>
         </p:txBody>
@@ -4540,7 +4576,9 @@
           </a:xfrm>
         </p:spPr>
         <p:txBody>
-          <a:bodyPr/>
+          <a:bodyPr>
+            <a:normAutofit fontScale="92500" lnSpcReduction="10000"/>
+          </a:bodyPr>
           <a:lstStyle/>
           <a:p>
             <a:r>
@@ -4552,7 +4590,43 @@
             <a:pPr lvl="1"/>
             <a:r>
               <a:rPr lang="en-US" dirty="0"/>
-              <a:t>Lower p-values in MC, shorter list</a:t>
+              <a:t>6 cranial measurements in </a:t>
+            </a:r>
+            <a:r>
+              <a:rPr lang="en-US" dirty="0" err="1"/>
+              <a:t>moran.test</a:t>
+            </a:r>
+            <a:endParaRPr lang="en-US" dirty="0"/>
+          </a:p>
+          <a:p>
+            <a:pPr lvl="1"/>
+            <a:r>
+              <a:rPr lang="en-US" dirty="0"/>
+              <a:t>5 cranial measurements in </a:t>
+            </a:r>
+            <a:r>
+              <a:rPr lang="en-US" dirty="0" err="1"/>
+              <a:t>moran.test</a:t>
+            </a:r>
+            <a:endParaRPr lang="en-US" dirty="0"/>
+          </a:p>
+          <a:p>
+            <a:pPr lvl="1"/>
+            <a:r>
+              <a:rPr lang="en-US" dirty="0"/>
+              <a:t>Lower p-values in </a:t>
+            </a:r>
+            <a:r>
+              <a:rPr lang="en-US" dirty="0" err="1"/>
+              <a:t>moran.test</a:t>
+            </a:r>
+            <a:endParaRPr lang="en-US" dirty="0"/>
+          </a:p>
+          <a:p>
+            <a:pPr lvl="1"/>
+            <a:r>
+              <a:rPr lang="en-US" dirty="0"/>
+              <a:t>Shorter list in moran.mc</a:t>
             </a:r>
           </a:p>
           <a:p>
@@ -4573,6 +4647,13 @@
             <a:r>
               <a:rPr lang="en-US" dirty="0"/>
               <a:t>NLH highest clustering (both aggregations)</a:t>
+            </a:r>
+          </a:p>
+          <a:p>
+            <a:pPr lvl="2"/>
+            <a:r>
+              <a:rPr lang="en-US" dirty="0"/>
+              <a:t>NA’s in some states</a:t>
             </a:r>
           </a:p>
           <a:p>
@@ -4706,7 +4787,7 @@
           <a:p>
             <a:r>
               <a:rPr lang="en-US" dirty="0"/>
-              <a:t>Results</a:t>
+              <a:t>Results/Discussion</a:t>
             </a:r>
           </a:p>
         </p:txBody>
@@ -4732,31 +4813,68 @@
           <a:bodyPr/>
           <a:lstStyle/>
           <a:p>
-            <a:r>
-              <a:rPr lang="en-US" dirty="0"/>
-              <a:t>NLH Mean LISA</a:t>
-            </a:r>
-          </a:p>
-          <a:p>
             <a:endParaRPr lang="en-US" dirty="0"/>
           </a:p>
-          <a:p>
-            <a:endParaRPr lang="en-US" dirty="0"/>
-          </a:p>
-          <a:p>
-            <a:endParaRPr lang="en-US" dirty="0"/>
-          </a:p>
-          <a:p>
-            <a:endParaRPr lang="en-US" dirty="0"/>
-          </a:p>
-          <a:p>
-            <a:r>
-              <a:rPr lang="en-US" dirty="0"/>
-              <a:t>NLH Median LISA</a:t>
-            </a:r>
-          </a:p>
-        </p:txBody>
-      </p:sp>
+        </p:txBody>
+      </p:sp>
+      <p:pic>
+        <p:nvPicPr>
+          <p:cNvPr id="13" name="Picture 12">
+            <a:extLst>
+              <a:ext uri="{FF2B5EF4-FFF2-40B4-BE49-F238E27FC236}">
+                <a16:creationId xmlns:a16="http://schemas.microsoft.com/office/drawing/2014/main" id="{3C7684DD-6483-48D5-BAED-BDC8A34F4EBA}"/>
+              </a:ext>
+            </a:extLst>
+          </p:cNvPr>
+          <p:cNvPicPr>
+            <a:picLocks noChangeAspect="1"/>
+          </p:cNvPicPr>
+          <p:nvPr/>
+        </p:nvPicPr>
+        <p:blipFill rotWithShape="1">
+          <a:blip r:embed="rId2"/>
+          <a:srcRect l="13396" r="13753"/>
+          <a:stretch/>
+        </p:blipFill>
+        <p:spPr>
+          <a:xfrm>
+            <a:off x="-1" y="1376363"/>
+            <a:ext cx="6156357" cy="5215248"/>
+          </a:xfrm>
+          <a:prstGeom prst="rect">
+            <a:avLst/>
+          </a:prstGeom>
+        </p:spPr>
+      </p:pic>
+      <p:pic>
+        <p:nvPicPr>
+          <p:cNvPr id="15" name="Picture 14">
+            <a:extLst>
+              <a:ext uri="{FF2B5EF4-FFF2-40B4-BE49-F238E27FC236}">
+                <a16:creationId xmlns:a16="http://schemas.microsoft.com/office/drawing/2014/main" id="{AA3F4720-A218-4843-A4CE-11D1C70B255A}"/>
+              </a:ext>
+            </a:extLst>
+          </p:cNvPr>
+          <p:cNvPicPr>
+            <a:picLocks noChangeAspect="1"/>
+          </p:cNvPicPr>
+          <p:nvPr/>
+        </p:nvPicPr>
+        <p:blipFill rotWithShape="1">
+          <a:blip r:embed="rId3"/>
+          <a:srcRect l="13919" r="13945"/>
+          <a:stretch/>
+        </p:blipFill>
+        <p:spPr>
+          <a:xfrm>
+            <a:off x="6096000" y="1376363"/>
+            <a:ext cx="6096000" cy="5215248"/>
+          </a:xfrm>
+          <a:prstGeom prst="rect">
+            <a:avLst/>
+          </a:prstGeom>
+        </p:spPr>
+      </p:pic>
     </p:spTree>
     <p:extLst>
       <p:ext uri="{BB962C8B-B14F-4D97-AF65-F5344CB8AC3E}">
@@ -4836,7 +4954,51 @@
           <a:bodyPr/>
           <a:lstStyle/>
           <a:p>
-            <a:endParaRPr lang="en-US"/>
+            <a:r>
+              <a:rPr lang="en-US" dirty="0"/>
+              <a:t>Some cranial measurements show low to moderate spatial clustering at state-level</a:t>
+            </a:r>
+          </a:p>
+          <a:p>
+            <a:pPr lvl="1"/>
+            <a:r>
+              <a:rPr lang="en-US" dirty="0"/>
+              <a:t>Okay for pilot study</a:t>
+            </a:r>
+          </a:p>
+          <a:p>
+            <a:pPr lvl="1"/>
+            <a:r>
+              <a:rPr lang="en-US" dirty="0"/>
+              <a:t>Narrows focus for next stage of study </a:t>
+            </a:r>
+          </a:p>
+          <a:p>
+            <a:pPr lvl="2"/>
+            <a:r>
+              <a:rPr lang="en-US" dirty="0"/>
+              <a:t>Increase granularity</a:t>
+            </a:r>
+          </a:p>
+          <a:p>
+            <a:pPr lvl="1"/>
+            <a:r>
+              <a:rPr lang="en-US" dirty="0"/>
+              <a:t>Limited definite conclusions</a:t>
+            </a:r>
+          </a:p>
+          <a:p>
+            <a:r>
+              <a:rPr lang="en-US" dirty="0"/>
+              <a:t>Further examination of impacts of sex needed</a:t>
+            </a:r>
+          </a:p>
+          <a:p>
+            <a:pPr lvl="1"/>
+            <a:r>
+              <a:rPr lang="en-US" dirty="0"/>
+              <a:t>Not delineated in this study</a:t>
+            </a:r>
           </a:p>
         </p:txBody>
       </p:sp>
@@ -4918,6 +5080,12 @@
         <p:txBody>
           <a:bodyPr/>
           <a:lstStyle/>
+          <a:p>
+            <a:r>
+              <a:rPr lang="en-US" dirty="0"/>
+              <a:t>Move functions to other scripts</a:t>
+            </a:r>
+          </a:p>
           <a:p>
             <a:r>
               <a:rPr lang="en-US" dirty="0"/>

--- a/Final_project/FinalPresentationLaws.pptx
+++ b/Final_project/FinalPresentationLaws.pptx
@@ -9,11 +9,13 @@
     <p:sldId id="257" r:id="rId3"/>
     <p:sldId id="258" r:id="rId4"/>
     <p:sldId id="261" r:id="rId5"/>
-    <p:sldId id="260" r:id="rId6"/>
-    <p:sldId id="262" r:id="rId7"/>
-    <p:sldId id="265" r:id="rId8"/>
-    <p:sldId id="263" r:id="rId9"/>
+    <p:sldId id="262" r:id="rId6"/>
+    <p:sldId id="265" r:id="rId7"/>
+    <p:sldId id="263" r:id="rId8"/>
+    <p:sldId id="260" r:id="rId9"/>
     <p:sldId id="264" r:id="rId10"/>
+    <p:sldId id="266" r:id="rId11"/>
+    <p:sldId id="267" r:id="rId12"/>
   </p:sldIdLst>
   <p:sldSz cx="12192000" cy="6858000"/>
   <p:notesSz cx="6858000" cy="9144000"/>
@@ -296,7 +298,7 @@
           <a:p>
             <a:fld id="{D41B3C99-03DA-4FF9-8EC1-A8D4A0AF62C2}" type="datetimeFigureOut">
               <a:rPr lang="en-US" smtClean="0"/>
-              <a:t>12/2/2021</a:t>
+              <a:t>12/6/2021</a:t>
             </a:fld>
             <a:endParaRPr lang="en-US"/>
           </a:p>
@@ -494,7 +496,7 @@
           <a:p>
             <a:fld id="{D41B3C99-03DA-4FF9-8EC1-A8D4A0AF62C2}" type="datetimeFigureOut">
               <a:rPr lang="en-US" smtClean="0"/>
-              <a:t>12/2/2021</a:t>
+              <a:t>12/6/2021</a:t>
             </a:fld>
             <a:endParaRPr lang="en-US"/>
           </a:p>
@@ -702,7 +704,7 @@
           <a:p>
             <a:fld id="{D41B3C99-03DA-4FF9-8EC1-A8D4A0AF62C2}" type="datetimeFigureOut">
               <a:rPr lang="en-US" smtClean="0"/>
-              <a:t>12/2/2021</a:t>
+              <a:t>12/6/2021</a:t>
             </a:fld>
             <a:endParaRPr lang="en-US"/>
           </a:p>
@@ -900,7 +902,7 @@
           <a:p>
             <a:fld id="{D41B3C99-03DA-4FF9-8EC1-A8D4A0AF62C2}" type="datetimeFigureOut">
               <a:rPr lang="en-US" smtClean="0"/>
-              <a:t>12/2/2021</a:t>
+              <a:t>12/6/2021</a:t>
             </a:fld>
             <a:endParaRPr lang="en-US"/>
           </a:p>
@@ -1175,7 +1177,7 @@
           <a:p>
             <a:fld id="{D41B3C99-03DA-4FF9-8EC1-A8D4A0AF62C2}" type="datetimeFigureOut">
               <a:rPr lang="en-US" smtClean="0"/>
-              <a:t>12/2/2021</a:t>
+              <a:t>12/6/2021</a:t>
             </a:fld>
             <a:endParaRPr lang="en-US"/>
           </a:p>
@@ -1440,7 +1442,7 @@
           <a:p>
             <a:fld id="{D41B3C99-03DA-4FF9-8EC1-A8D4A0AF62C2}" type="datetimeFigureOut">
               <a:rPr lang="en-US" smtClean="0"/>
-              <a:t>12/2/2021</a:t>
+              <a:t>12/6/2021</a:t>
             </a:fld>
             <a:endParaRPr lang="en-US"/>
           </a:p>
@@ -1852,7 +1854,7 @@
           <a:p>
             <a:fld id="{D41B3C99-03DA-4FF9-8EC1-A8D4A0AF62C2}" type="datetimeFigureOut">
               <a:rPr lang="en-US" smtClean="0"/>
-              <a:t>12/2/2021</a:t>
+              <a:t>12/6/2021</a:t>
             </a:fld>
             <a:endParaRPr lang="en-US"/>
           </a:p>
@@ -1993,7 +1995,7 @@
           <a:p>
             <a:fld id="{D41B3C99-03DA-4FF9-8EC1-A8D4A0AF62C2}" type="datetimeFigureOut">
               <a:rPr lang="en-US" smtClean="0"/>
-              <a:t>12/2/2021</a:t>
+              <a:t>12/6/2021</a:t>
             </a:fld>
             <a:endParaRPr lang="en-US"/>
           </a:p>
@@ -2106,7 +2108,7 @@
           <a:p>
             <a:fld id="{D41B3C99-03DA-4FF9-8EC1-A8D4A0AF62C2}" type="datetimeFigureOut">
               <a:rPr lang="en-US" smtClean="0"/>
-              <a:t>12/2/2021</a:t>
+              <a:t>12/6/2021</a:t>
             </a:fld>
             <a:endParaRPr lang="en-US"/>
           </a:p>
@@ -2417,7 +2419,7 @@
           <a:p>
             <a:fld id="{D41B3C99-03DA-4FF9-8EC1-A8D4A0AF62C2}" type="datetimeFigureOut">
               <a:rPr lang="en-US" smtClean="0"/>
-              <a:t>12/2/2021</a:t>
+              <a:t>12/6/2021</a:t>
             </a:fld>
             <a:endParaRPr lang="en-US"/>
           </a:p>
@@ -2705,7 +2707,7 @@
           <a:p>
             <a:fld id="{D41B3C99-03DA-4FF9-8EC1-A8D4A0AF62C2}" type="datetimeFigureOut">
               <a:rPr lang="en-US" smtClean="0"/>
-              <a:t>12/2/2021</a:t>
+              <a:t>12/6/2021</a:t>
             </a:fld>
             <a:endParaRPr lang="en-US"/>
           </a:p>
@@ -2952,7 +2954,7 @@
           <a:p>
             <a:fld id="{D41B3C99-03DA-4FF9-8EC1-A8D4A0AF62C2}" type="datetimeFigureOut">
               <a:rPr lang="en-US" smtClean="0"/>
-              <a:t>12/2/2021</a:t>
+              <a:t>12/6/2021</a:t>
             </a:fld>
             <a:endParaRPr lang="en-US"/>
           </a:p>
@@ -3355,6 +3357,25 @@
 <file path=ppt/slides/slide1.xml><?xml version="1.0" encoding="utf-8"?>
 <p:sld xmlns:a="http://schemas.openxmlformats.org/drawingml/2006/main" xmlns:r="http://schemas.openxmlformats.org/officeDocument/2006/relationships" xmlns:p="http://schemas.openxmlformats.org/presentationml/2006/main">
   <p:cSld>
+    <p:bg>
+      <p:bgPr>
+        <a:blipFill dpi="0" rotWithShape="1">
+          <a:blip r:embed="rId2">
+            <a:lum/>
+            <a:extLst>
+              <a:ext uri="{837473B0-CC2E-450A-ABE3-18F120FF3D39}">
+                <a1611:picAttrSrcUrl xmlns:a1611="http://schemas.microsoft.com/office/drawing/2016/11/main" r:id="rId3"/>
+              </a:ext>
+            </a:extLst>
+          </a:blip>
+          <a:srcRect/>
+          <a:stretch>
+            <a:fillRect t="-17000" b="-17000"/>
+          </a:stretch>
+        </a:blipFill>
+        <a:effectLst/>
+      </p:bgPr>
+    </p:bg>
     <p:spTree>
       <p:nvGrpSpPr>
         <p:cNvPr id="1" name=""/>
@@ -3385,14 +3406,22 @@
             <p:ph type="ctrTitle"/>
           </p:nvPr>
         </p:nvSpPr>
-        <p:spPr/>
-        <p:txBody>
-          <a:bodyPr/>
-          <a:lstStyle/>
-          <a:p>
-            <a:r>
-              <a:rPr lang="en-US" dirty="0"/>
-              <a:t>Spatial analysis of historical cranial measurements</a:t>
+        <p:spPr>
+          <a:solidFill>
+            <a:schemeClr val="bg1">
+              <a:alpha val="50000"/>
+            </a:schemeClr>
+          </a:solidFill>
+        </p:spPr>
+        <p:txBody>
+          <a:bodyPr>
+            <a:normAutofit/>
+          </a:bodyPr>
+          <a:lstStyle/>
+          <a:p>
+            <a:r>
+              <a:rPr lang="en-US" dirty="0"/>
+              <a:t>Spatial analysis of historical Indian cranial measurements</a:t>
             </a:r>
           </a:p>
         </p:txBody>
@@ -3413,22 +3442,117 @@
             <p:ph type="subTitle" idx="1"/>
           </p:nvPr>
         </p:nvSpPr>
-        <p:spPr/>
-        <p:txBody>
-          <a:bodyPr/>
-          <a:lstStyle/>
-          <a:p>
-            <a:r>
-              <a:rPr lang="en-US" dirty="0"/>
-              <a:t>Project Update</a:t>
-            </a:r>
-          </a:p>
-          <a:p>
-            <a:endParaRPr lang="en-US" dirty="0"/>
-          </a:p>
-          <a:p>
-            <a:r>
-              <a:rPr lang="en-US" dirty="0"/>
+        <p:spPr>
+          <a:xfrm>
+            <a:off x="1524000" y="3602037"/>
+            <a:ext cx="9144000" cy="2478251"/>
+          </a:xfrm>
+          <a:solidFill>
+            <a:schemeClr val="bg1">
+              <a:alpha val="50000"/>
+            </a:schemeClr>
+          </a:solidFill>
+          <a:ln>
+            <a:noFill/>
+          </a:ln>
+          <a:effectLst>
+            <a:glow rad="63500">
+              <a:schemeClr val="accent3">
+                <a:satMod val="175000"/>
+                <a:alpha val="40000"/>
+              </a:schemeClr>
+            </a:glow>
+            <a:outerShdw blurRad="50800" dist="50800" dir="5400000" sx="1000" sy="1000" algn="ctr" rotWithShape="0">
+              <a:srgbClr val="000000">
+                <a:alpha val="43137"/>
+              </a:srgbClr>
+            </a:outerShdw>
+          </a:effectLst>
+        </p:spPr>
+        <p:txBody>
+          <a:bodyPr>
+            <a:normAutofit/>
+          </a:bodyPr>
+          <a:lstStyle/>
+          <a:p>
+            <a:r>
+              <a:rPr lang="en-US" dirty="0">
+                <a:ln w="3175">
+                  <a:noFill/>
+                </a:ln>
+                <a:effectLst>
+                  <a:outerShdw blurRad="50800" dist="38100" dir="5400000" algn="t" rotWithShape="0">
+                    <a:prstClr val="black">
+                      <a:alpha val="40000"/>
+                    </a:prstClr>
+                  </a:outerShdw>
+                </a:effectLst>
+              </a:rPr>
+              <a:t>Final Project Presentation</a:t>
+            </a:r>
+          </a:p>
+          <a:p>
+            <a:r>
+              <a:rPr lang="en-US" dirty="0">
+                <a:ln w="3175">
+                  <a:noFill/>
+                </a:ln>
+                <a:effectLst>
+                  <a:outerShdw blurRad="50800" dist="38100" dir="5400000" algn="t" rotWithShape="0">
+                    <a:prstClr val="black">
+                      <a:alpha val="40000"/>
+                    </a:prstClr>
+                  </a:outerShdw>
+                </a:effectLst>
+              </a:rPr>
+              <a:t>GEOG 897 Spatial Analysis with R</a:t>
+            </a:r>
+          </a:p>
+          <a:p>
+            <a:r>
+              <a:rPr lang="en-US" dirty="0">
+                <a:ln w="3175">
+                  <a:noFill/>
+                </a:ln>
+                <a:effectLst>
+                  <a:outerShdw blurRad="50800" dist="38100" dir="5400000" algn="t" rotWithShape="0">
+                    <a:prstClr val="black">
+                      <a:alpha val="40000"/>
+                    </a:prstClr>
+                  </a:outerShdw>
+                </a:effectLst>
+              </a:rPr>
+              <a:t>Fall 2021</a:t>
+            </a:r>
+          </a:p>
+          <a:p>
+            <a:endParaRPr lang="en-US" dirty="0">
+              <a:ln w="3175">
+                <a:noFill/>
+              </a:ln>
+              <a:effectLst>
+                <a:outerShdw blurRad="50800" dist="38100" dir="5400000" algn="t" rotWithShape="0">
+                  <a:prstClr val="black">
+                    <a:alpha val="40000"/>
+                  </a:prstClr>
+                </a:outerShdw>
+              </a:effectLst>
+            </a:endParaRPr>
+          </a:p>
+          <a:p>
+            <a:r>
+              <a:rPr lang="en-US" dirty="0">
+                <a:ln w="3175">
+                  <a:noFill/>
+                </a:ln>
+                <a:effectLst>
+                  <a:outerShdw blurRad="50800" dist="38100" dir="5400000" algn="t" rotWithShape="0">
+                    <a:prstClr val="black">
+                      <a:alpha val="40000"/>
+                    </a:prstClr>
+                  </a:outerShdw>
+                </a:effectLst>
+              </a:rPr>
               <a:t>Andrew Laws</a:t>
             </a:r>
           </a:p>
@@ -3438,6 +3562,672 @@
     <p:extLst>
       <p:ext uri="{BB962C8B-B14F-4D97-AF65-F5344CB8AC3E}">
         <p14:creationId xmlns:p14="http://schemas.microsoft.com/office/powerpoint/2010/main" val="2717360309"/>
+      </p:ext>
+    </p:extLst>
+  </p:cSld>
+  <p:clrMapOvr>
+    <a:masterClrMapping/>
+  </p:clrMapOvr>
+</p:sld>
+</file>
+
+<file path=ppt/slides/slide10.xml><?xml version="1.0" encoding="utf-8"?>
+<p:sld xmlns:a="http://schemas.openxmlformats.org/drawingml/2006/main" xmlns:r="http://schemas.openxmlformats.org/officeDocument/2006/relationships" xmlns:p="http://schemas.openxmlformats.org/presentationml/2006/main">
+  <p:cSld>
+    <p:spTree>
+      <p:nvGrpSpPr>
+        <p:cNvPr id="1" name=""/>
+        <p:cNvGrpSpPr/>
+        <p:nvPr/>
+      </p:nvGrpSpPr>
+      <p:grpSpPr>
+        <a:xfrm>
+          <a:off x="0" y="0"/>
+          <a:ext cx="0" cy="0"/>
+          <a:chOff x="0" y="0"/>
+          <a:chExt cx="0" cy="0"/>
+        </a:xfrm>
+      </p:grpSpPr>
+      <p:sp>
+        <p:nvSpPr>
+          <p:cNvPr id="2" name="Title 1">
+            <a:extLst>
+              <a:ext uri="{FF2B5EF4-FFF2-40B4-BE49-F238E27FC236}">
+                <a16:creationId xmlns:a16="http://schemas.microsoft.com/office/drawing/2014/main" id="{C70E0F5A-D15C-44EB-AF00-2497D9B3C9DE}"/>
+              </a:ext>
+            </a:extLst>
+          </p:cNvPr>
+          <p:cNvSpPr>
+            <a:spLocks noGrp="1"/>
+          </p:cNvSpPr>
+          <p:nvPr>
+            <p:ph type="title"/>
+          </p:nvPr>
+        </p:nvSpPr>
+        <p:spPr/>
+        <p:txBody>
+          <a:bodyPr/>
+          <a:lstStyle/>
+          <a:p>
+            <a:r>
+              <a:rPr lang="en-US" dirty="0"/>
+              <a:t>References</a:t>
+            </a:r>
+          </a:p>
+        </p:txBody>
+      </p:sp>
+      <p:sp>
+        <p:nvSpPr>
+          <p:cNvPr id="3" name="Content Placeholder 2">
+            <a:extLst>
+              <a:ext uri="{FF2B5EF4-FFF2-40B4-BE49-F238E27FC236}">
+                <a16:creationId xmlns:a16="http://schemas.microsoft.com/office/drawing/2014/main" id="{48A35DBA-21C1-4188-B9A1-1B44CF8B3CC1}"/>
+              </a:ext>
+            </a:extLst>
+          </p:cNvPr>
+          <p:cNvSpPr>
+            <a:spLocks noGrp="1"/>
+          </p:cNvSpPr>
+          <p:nvPr>
+            <p:ph idx="1"/>
+          </p:nvPr>
+        </p:nvSpPr>
+        <p:spPr/>
+        <p:txBody>
+          <a:bodyPr>
+            <a:normAutofit fontScale="47500" lnSpcReduction="20000"/>
+          </a:bodyPr>
+          <a:lstStyle/>
+          <a:p>
+            <a:r>
+              <a:rPr lang="en-US" dirty="0" err="1">
+                <a:effectLst/>
+              </a:rPr>
+              <a:t>Danino</a:t>
+            </a:r>
+            <a:r>
+              <a:rPr lang="en-US" dirty="0">
+                <a:effectLst/>
+              </a:rPr>
+              <a:t>, M. (n.d.). Aryans and the Indus Civilization: Archaeological, Skeletal, and Molecular Evidence. In </a:t>
+            </a:r>
+            <a:r>
+              <a:rPr lang="en-US" i="1" dirty="0">
+                <a:effectLst/>
+              </a:rPr>
+              <a:t>A Companion to South Asia in the Past</a:t>
+            </a:r>
+            <a:r>
+              <a:rPr lang="en-US" dirty="0">
+                <a:effectLst/>
+              </a:rPr>
+              <a:t> (pp. 205–224). John Wiley &amp; Sons, Inc. </a:t>
+            </a:r>
+            <a:r>
+              <a:rPr lang="en-US" dirty="0">
+                <a:effectLst/>
+                <a:hlinkClick r:id="rId2"/>
+              </a:rPr>
+              <a:t>https://doi.org/10.1002/9781119055280.ch13</a:t>
+            </a:r>
+            <a:endParaRPr lang="en-US" dirty="0">
+              <a:effectLst/>
+            </a:endParaRPr>
+          </a:p>
+          <a:p>
+            <a:r>
+              <a:rPr lang="en-US" dirty="0">
+                <a:effectLst/>
+              </a:rPr>
+              <a:t>Harding, R. M. (1990). Modern European Cranial Variables and Blood Polymorphisms Show Comparable Spatial Patterns. </a:t>
+            </a:r>
+            <a:r>
+              <a:rPr lang="en-US" i="1" dirty="0">
+                <a:effectLst/>
+              </a:rPr>
+              <a:t>Human Biology</a:t>
+            </a:r>
+            <a:r>
+              <a:rPr lang="en-US" dirty="0">
+                <a:effectLst/>
+              </a:rPr>
+              <a:t>, </a:t>
+            </a:r>
+            <a:r>
+              <a:rPr lang="en-US" i="1" dirty="0">
+                <a:effectLst/>
+              </a:rPr>
+              <a:t>62</a:t>
+            </a:r>
+            <a:r>
+              <a:rPr lang="en-US" dirty="0">
+                <a:effectLst/>
+              </a:rPr>
+              <a:t>(6), 733–745.</a:t>
+            </a:r>
+          </a:p>
+          <a:p>
+            <a:r>
+              <a:rPr lang="en-US" dirty="0">
+                <a:effectLst/>
+              </a:rPr>
+              <a:t>Lovell, N. C. (n.d.). </a:t>
+            </a:r>
+            <a:r>
+              <a:rPr lang="en-US" dirty="0" err="1">
+                <a:effectLst/>
+              </a:rPr>
+              <a:t>Bioarchaeology</a:t>
+            </a:r>
+            <a:r>
+              <a:rPr lang="en-US" dirty="0">
+                <a:effectLst/>
+              </a:rPr>
+              <a:t> of the Indus Valley Civilization: Biological Affinities, Paleopathology, and Chemical Analyses. In </a:t>
+            </a:r>
+            <a:r>
+              <a:rPr lang="en-US" i="1" dirty="0">
+                <a:effectLst/>
+              </a:rPr>
+              <a:t>A Companion to South Asia in the Past</a:t>
+            </a:r>
+            <a:r>
+              <a:rPr lang="en-US" dirty="0">
+                <a:effectLst/>
+              </a:rPr>
+              <a:t> (pp. 169–186). John Wiley &amp; Sons, Inc. </a:t>
+            </a:r>
+            <a:r>
+              <a:rPr lang="en-US" dirty="0">
+                <a:effectLst/>
+                <a:hlinkClick r:id="rId3"/>
+              </a:rPr>
+              <a:t>https://doi.org/10.1002/9781119055280.ch11</a:t>
+            </a:r>
+            <a:endParaRPr lang="en-US" dirty="0">
+              <a:effectLst/>
+            </a:endParaRPr>
+          </a:p>
+          <a:p>
+            <a:r>
+              <a:rPr lang="en-US" dirty="0" err="1">
+                <a:effectLst/>
+              </a:rPr>
+              <a:t>Maestri</a:t>
+            </a:r>
+            <a:r>
+              <a:rPr lang="en-US" dirty="0">
+                <a:effectLst/>
+              </a:rPr>
+              <a:t>, R., </a:t>
+            </a:r>
+            <a:r>
+              <a:rPr lang="en-US" dirty="0" err="1">
+                <a:effectLst/>
+              </a:rPr>
+              <a:t>Fornel</a:t>
+            </a:r>
+            <a:r>
+              <a:rPr lang="en-US" dirty="0">
+                <a:effectLst/>
+              </a:rPr>
+              <a:t>, R., Gonçalves, G. L., </a:t>
+            </a:r>
+            <a:r>
+              <a:rPr lang="en-US" dirty="0" err="1">
+                <a:effectLst/>
+              </a:rPr>
+              <a:t>Geise</a:t>
+            </a:r>
+            <a:r>
+              <a:rPr lang="en-US" dirty="0">
+                <a:effectLst/>
+              </a:rPr>
+              <a:t>, L., Freitas, T. R. O., &amp; Carnaval, A. C. (2016). Predictors of intraspecific morphological variability in a tropical hotspot: Comparing the influence of random and non‐random factors. </a:t>
+            </a:r>
+            <a:r>
+              <a:rPr lang="en-US" i="1" dirty="0">
+                <a:effectLst/>
+              </a:rPr>
+              <a:t>Journal of Biogeography</a:t>
+            </a:r>
+            <a:r>
+              <a:rPr lang="en-US" dirty="0">
+                <a:effectLst/>
+              </a:rPr>
+              <a:t>, </a:t>
+            </a:r>
+            <a:r>
+              <a:rPr lang="en-US" i="1" dirty="0">
+                <a:effectLst/>
+              </a:rPr>
+              <a:t>43</a:t>
+            </a:r>
+            <a:r>
+              <a:rPr lang="en-US" dirty="0">
+                <a:effectLst/>
+              </a:rPr>
+              <a:t>(11), 2160–2172. </a:t>
+            </a:r>
+            <a:r>
+              <a:rPr lang="en-US" dirty="0">
+                <a:effectLst/>
+                <a:hlinkClick r:id="rId4"/>
+              </a:rPr>
+              <a:t>https://doi.org/10.1111/jbi.12815</a:t>
+            </a:r>
+            <a:endParaRPr lang="en-US" dirty="0">
+              <a:effectLst/>
+            </a:endParaRPr>
+          </a:p>
+          <a:p>
+            <a:r>
+              <a:rPr lang="en-US" dirty="0" err="1">
+                <a:effectLst/>
+              </a:rPr>
+              <a:t>Mushrif</a:t>
+            </a:r>
+            <a:r>
+              <a:rPr lang="en-US" dirty="0">
+                <a:effectLst/>
+              </a:rPr>
+              <a:t>-Tripathy, V., Chakraborty, K. S., &amp; </a:t>
+            </a:r>
+            <a:r>
+              <a:rPr lang="en-US" dirty="0" err="1">
+                <a:effectLst/>
+              </a:rPr>
+              <a:t>Lahiri</a:t>
+            </a:r>
+            <a:r>
+              <a:rPr lang="en-US" dirty="0">
+                <a:effectLst/>
+              </a:rPr>
+              <a:t>, S. (2016). Where Are They Now? The Human Skeletal Remains from India. In G. R. </a:t>
+            </a:r>
+            <a:r>
+              <a:rPr lang="en-US" dirty="0" err="1">
+                <a:effectLst/>
+              </a:rPr>
+              <a:t>Schug</a:t>
+            </a:r>
+            <a:r>
+              <a:rPr lang="en-US" dirty="0">
+                <a:effectLst/>
+              </a:rPr>
+              <a:t> &amp; S. R. </a:t>
+            </a:r>
+            <a:r>
+              <a:rPr lang="en-US" dirty="0" err="1">
+                <a:effectLst/>
+              </a:rPr>
+              <a:t>Walimbe</a:t>
+            </a:r>
+            <a:r>
+              <a:rPr lang="en-US" dirty="0">
+                <a:effectLst/>
+              </a:rPr>
+              <a:t> (Eds.), </a:t>
+            </a:r>
+            <a:r>
+              <a:rPr lang="en-US" i="1" dirty="0">
+                <a:effectLst/>
+              </a:rPr>
+              <a:t>A Companion to South Asia in the Past</a:t>
+            </a:r>
+            <a:r>
+              <a:rPr lang="en-US" dirty="0">
+                <a:effectLst/>
+              </a:rPr>
+              <a:t> (pp. 496–533). John Wiley &amp; Sons, Inc. </a:t>
+            </a:r>
+            <a:r>
+              <a:rPr lang="en-US" dirty="0">
+                <a:effectLst/>
+                <a:hlinkClick r:id="rId5"/>
+              </a:rPr>
+              <a:t>https://doi.org/10.1002/9781119055280.ch32</a:t>
+            </a:r>
+            <a:endParaRPr lang="en-US" dirty="0">
+              <a:effectLst/>
+            </a:endParaRPr>
+          </a:p>
+          <a:p>
+            <a:r>
+              <a:rPr lang="en-US" dirty="0">
+                <a:effectLst/>
+              </a:rPr>
+              <a:t>Ross, A. H., &amp; Williams, S. E. (2021). Ancestry Studies in Forensic Anthropology: Back on the Frontier of Racism. </a:t>
+            </a:r>
+            <a:r>
+              <a:rPr lang="en-US" i="1" dirty="0">
+                <a:effectLst/>
+              </a:rPr>
+              <a:t>Biology</a:t>
+            </a:r>
+            <a:r>
+              <a:rPr lang="en-US" dirty="0">
+                <a:effectLst/>
+              </a:rPr>
+              <a:t>, </a:t>
+            </a:r>
+            <a:r>
+              <a:rPr lang="en-US" i="1" dirty="0">
+                <a:effectLst/>
+              </a:rPr>
+              <a:t>10</a:t>
+            </a:r>
+            <a:r>
+              <a:rPr lang="en-US" dirty="0">
+                <a:effectLst/>
+              </a:rPr>
+              <a:t>(7), 602. </a:t>
+            </a:r>
+            <a:r>
+              <a:rPr lang="en-US" dirty="0">
+                <a:effectLst/>
+                <a:hlinkClick r:id="rId6"/>
+              </a:rPr>
+              <a:t>https://doi.org/10.3390/biology10070602</a:t>
+            </a:r>
+            <a:endParaRPr lang="en-US" dirty="0">
+              <a:effectLst/>
+            </a:endParaRPr>
+          </a:p>
+          <a:p>
+            <a:r>
+              <a:rPr lang="en-US" dirty="0" err="1">
+                <a:effectLst/>
+              </a:rPr>
+              <a:t>Sivaramakrishnan</a:t>
+            </a:r>
+            <a:r>
+              <a:rPr lang="en-US" dirty="0">
+                <a:effectLst/>
+              </a:rPr>
+              <a:t>, A., </a:t>
+            </a:r>
+            <a:r>
+              <a:rPr lang="en-US" dirty="0" err="1">
+                <a:effectLst/>
+              </a:rPr>
+              <a:t>Tahara-Eckl</a:t>
+            </a:r>
+            <a:r>
+              <a:rPr lang="en-US" dirty="0">
+                <a:effectLst/>
+              </a:rPr>
+              <a:t>, L., &amp; </a:t>
+            </a:r>
+            <a:r>
+              <a:rPr lang="en-US" dirty="0" err="1">
+                <a:effectLst/>
+              </a:rPr>
+              <a:t>Madhavan</a:t>
+            </a:r>
+            <a:r>
+              <a:rPr lang="en-US" dirty="0">
+                <a:effectLst/>
+              </a:rPr>
+              <a:t>, S. (2016). Spatial localization and distribution of the TMS-related ‘hotspot’ of the tibialis anterior muscle representation in the healthy and post-stroke motor cortex. </a:t>
+            </a:r>
+            <a:r>
+              <a:rPr lang="en-US" i="1" dirty="0">
+                <a:effectLst/>
+              </a:rPr>
+              <a:t>Neuroscience Letters</a:t>
+            </a:r>
+            <a:r>
+              <a:rPr lang="en-US" dirty="0">
+                <a:effectLst/>
+              </a:rPr>
+              <a:t>, </a:t>
+            </a:r>
+            <a:r>
+              <a:rPr lang="en-US" i="1" dirty="0">
+                <a:effectLst/>
+              </a:rPr>
+              <a:t>627</a:t>
+            </a:r>
+            <a:r>
+              <a:rPr lang="en-US" dirty="0">
+                <a:effectLst/>
+              </a:rPr>
+              <a:t>, 30–35. </a:t>
+            </a:r>
+            <a:r>
+              <a:rPr lang="en-US" dirty="0">
+                <a:effectLst/>
+                <a:hlinkClick r:id="rId7"/>
+              </a:rPr>
+              <a:t>https://doi.org/10.1016/j.neulet.2016.05.041</a:t>
+            </a:r>
+            <a:endParaRPr lang="en-US" dirty="0">
+              <a:effectLst/>
+            </a:endParaRPr>
+          </a:p>
+          <a:p>
+            <a:r>
+              <a:rPr lang="en-US" dirty="0">
+                <a:effectLst/>
+              </a:rPr>
+              <a:t>Spradley, M. K. (2013). </a:t>
+            </a:r>
+            <a:r>
+              <a:rPr lang="en-US" i="1" dirty="0">
+                <a:effectLst/>
+              </a:rPr>
+              <a:t>Project IDENTIFICATION: Developing Accurate Identification Criteria for Hispanics</a:t>
+            </a:r>
+            <a:r>
+              <a:rPr lang="en-US" dirty="0">
+                <a:effectLst/>
+              </a:rPr>
+              <a:t> (Research No. 2008-DN-BX-K464; p. 69). US Department of Justice.</a:t>
+            </a:r>
+          </a:p>
+          <a:p>
+            <a:r>
+              <a:rPr lang="en-US" dirty="0">
+                <a:effectLst/>
+              </a:rPr>
+              <a:t>Spradley, M. K. (2014). TOWARD ESTIMATING GEOGRAPHIC ORIGIN OF MIGRANT REMAINS ALONG THE UNITED STATES-MEXICO BORDER: Origin of Migrant Remains Along the United States-Mexico Border. </a:t>
+            </a:r>
+            <a:r>
+              <a:rPr lang="en-US" i="1" dirty="0">
+                <a:effectLst/>
+              </a:rPr>
+              <a:t>Annals of Anthropological Practice</a:t>
+            </a:r>
+            <a:r>
+              <a:rPr lang="en-US" dirty="0">
+                <a:effectLst/>
+              </a:rPr>
+              <a:t>, </a:t>
+            </a:r>
+            <a:r>
+              <a:rPr lang="en-US" i="1" dirty="0">
+                <a:effectLst/>
+              </a:rPr>
+              <a:t>38</a:t>
+            </a:r>
+            <a:r>
+              <a:rPr lang="en-US" dirty="0">
+                <a:effectLst/>
+              </a:rPr>
+              <a:t>(1), 101–110. </a:t>
+            </a:r>
+            <a:r>
+              <a:rPr lang="en-US" dirty="0">
+                <a:effectLst/>
+                <a:hlinkClick r:id="rId8"/>
+              </a:rPr>
+              <a:t>https://doi.org/10.1111/napa.12045</a:t>
+            </a:r>
+            <a:endParaRPr lang="en-US" dirty="0">
+              <a:effectLst/>
+            </a:endParaRPr>
+          </a:p>
+          <a:p>
+            <a:r>
+              <a:rPr lang="en-US" dirty="0">
+                <a:effectLst/>
+              </a:rPr>
+              <a:t>Spradley, M. K., Jantz, R. L., Robinson, A., &amp; </a:t>
+            </a:r>
+            <a:r>
+              <a:rPr lang="en-US" dirty="0" err="1">
+                <a:effectLst/>
+              </a:rPr>
+              <a:t>Peccerelli</a:t>
+            </a:r>
+            <a:r>
+              <a:rPr lang="en-US" dirty="0">
+                <a:effectLst/>
+              </a:rPr>
+              <a:t>, F. (2008). Demographic Change and Forensic Identification: Problems in Metric Identification of Hispanic Skeletons. </a:t>
+            </a:r>
+            <a:r>
+              <a:rPr lang="en-US" i="1" dirty="0">
+                <a:effectLst/>
+              </a:rPr>
+              <a:t>Journal of Forensic Sciences</a:t>
+            </a:r>
+            <a:r>
+              <a:rPr lang="en-US" dirty="0">
+                <a:effectLst/>
+              </a:rPr>
+              <a:t>, </a:t>
+            </a:r>
+            <a:r>
+              <a:rPr lang="en-US" i="1" dirty="0">
+                <a:effectLst/>
+              </a:rPr>
+              <a:t>53</a:t>
+            </a:r>
+            <a:r>
+              <a:rPr lang="en-US" dirty="0">
+                <a:effectLst/>
+              </a:rPr>
+              <a:t>(1), 21–28. </a:t>
+            </a:r>
+            <a:r>
+              <a:rPr lang="en-US" dirty="0">
+                <a:effectLst/>
+                <a:hlinkClick r:id="rId9"/>
+              </a:rPr>
+              <a:t>https://doi.org/10.1111/j.1556-4029.2007.00614.x</a:t>
+            </a:r>
+            <a:endParaRPr lang="en-US" dirty="0">
+              <a:effectLst/>
+            </a:endParaRPr>
+          </a:p>
+          <a:p>
+            <a:endParaRPr lang="en-US" dirty="0"/>
+          </a:p>
+        </p:txBody>
+      </p:sp>
+    </p:spTree>
+    <p:extLst>
+      <p:ext uri="{BB962C8B-B14F-4D97-AF65-F5344CB8AC3E}">
+        <p14:creationId xmlns:p14="http://schemas.microsoft.com/office/powerpoint/2010/main" val="1710364206"/>
+      </p:ext>
+    </p:extLst>
+  </p:cSld>
+  <p:clrMapOvr>
+    <a:masterClrMapping/>
+  </p:clrMapOvr>
+</p:sld>
+</file>
+
+<file path=ppt/slides/slide11.xml><?xml version="1.0" encoding="utf-8"?>
+<p:sld xmlns:a="http://schemas.openxmlformats.org/drawingml/2006/main" xmlns:r="http://schemas.openxmlformats.org/officeDocument/2006/relationships" xmlns:p="http://schemas.openxmlformats.org/presentationml/2006/main">
+  <p:cSld>
+    <p:spTree>
+      <p:nvGrpSpPr>
+        <p:cNvPr id="1" name=""/>
+        <p:cNvGrpSpPr/>
+        <p:nvPr/>
+      </p:nvGrpSpPr>
+      <p:grpSpPr>
+        <a:xfrm>
+          <a:off x="0" y="0"/>
+          <a:ext cx="0" cy="0"/>
+          <a:chOff x="0" y="0"/>
+          <a:chExt cx="0" cy="0"/>
+        </a:xfrm>
+      </p:grpSpPr>
+      <p:sp>
+        <p:nvSpPr>
+          <p:cNvPr id="2" name="Title 1">
+            <a:extLst>
+              <a:ext uri="{FF2B5EF4-FFF2-40B4-BE49-F238E27FC236}">
+                <a16:creationId xmlns:a16="http://schemas.microsoft.com/office/drawing/2014/main" id="{D90AD886-07EE-4971-876C-C2B23B6E7905}"/>
+              </a:ext>
+            </a:extLst>
+          </p:cNvPr>
+          <p:cNvSpPr>
+            <a:spLocks noGrp="1"/>
+          </p:cNvSpPr>
+          <p:nvPr>
+            <p:ph type="title"/>
+          </p:nvPr>
+        </p:nvSpPr>
+        <p:spPr/>
+        <p:txBody>
+          <a:bodyPr/>
+          <a:lstStyle/>
+          <a:p>
+            <a:endParaRPr lang="en-US" dirty="0"/>
+          </a:p>
+        </p:txBody>
+      </p:sp>
+      <p:sp>
+        <p:nvSpPr>
+          <p:cNvPr id="3" name="Content Placeholder 2">
+            <a:extLst>
+              <a:ext uri="{FF2B5EF4-FFF2-40B4-BE49-F238E27FC236}">
+                <a16:creationId xmlns:a16="http://schemas.microsoft.com/office/drawing/2014/main" id="{BA5A2BA5-9D73-4B73-8EF7-91F4DFC1742D}"/>
+              </a:ext>
+            </a:extLst>
+          </p:cNvPr>
+          <p:cNvSpPr>
+            <a:spLocks noGrp="1"/>
+          </p:cNvSpPr>
+          <p:nvPr>
+            <p:ph idx="1"/>
+          </p:nvPr>
+        </p:nvSpPr>
+        <p:spPr/>
+        <p:txBody>
+          <a:bodyPr>
+            <a:normAutofit/>
+          </a:bodyPr>
+          <a:lstStyle/>
+          <a:p>
+            <a:pPr marL="0" indent="0" algn="ctr">
+              <a:buNone/>
+            </a:pPr>
+            <a:r>
+              <a:rPr lang="en-US" sz="4800" dirty="0"/>
+              <a:t>Thank you for your time!</a:t>
+            </a:r>
+          </a:p>
+          <a:p>
+            <a:pPr marL="0" indent="0" algn="ctr">
+              <a:buNone/>
+            </a:pPr>
+            <a:r>
+              <a:rPr lang="en-US" sz="4800" dirty="0"/>
+              <a:t>Questions?</a:t>
+            </a:r>
+          </a:p>
+        </p:txBody>
+      </p:sp>
+    </p:spTree>
+    <p:extLst>
+      <p:ext uri="{BB962C8B-B14F-4D97-AF65-F5344CB8AC3E}">
+        <p14:creationId xmlns:p14="http://schemas.microsoft.com/office/powerpoint/2010/main" val="583656314"/>
       </p:ext>
     </p:extLst>
   </p:cSld>
@@ -3508,7 +4298,12 @@
             <p:ph idx="1"/>
           </p:nvPr>
         </p:nvSpPr>
-        <p:spPr/>
+        <p:spPr>
+          <a:xfrm>
+            <a:off x="838200" y="1825625"/>
+            <a:ext cx="10515600" cy="4859260"/>
+          </a:xfrm>
+        </p:spPr>
         <p:txBody>
           <a:bodyPr>
             <a:normAutofit lnSpcReduction="10000"/>
@@ -3524,21 +4319,28 @@
             <a:pPr lvl="1"/>
             <a:r>
               <a:rPr lang="en-US" dirty="0"/>
+              <a:t>Forensic anthropology</a:t>
+            </a:r>
+          </a:p>
+          <a:p>
+            <a:pPr lvl="1"/>
+            <a:r>
+              <a:rPr lang="en-US" dirty="0"/>
               <a:t>Developing identifiers of geographic origin using cranial measurements</a:t>
             </a:r>
           </a:p>
           <a:p>
+            <a:pPr lvl="2"/>
+            <a:r>
+              <a:rPr lang="en-US" dirty="0"/>
+              <a:t>Cranial measurements linked to distinct cultural/ethnic/tribal groups</a:t>
+            </a:r>
+          </a:p>
+          <a:p>
             <a:pPr lvl="1"/>
             <a:r>
               <a:rPr lang="en-US" dirty="0"/>
-              <a:t>Forensic anthropology</a:t>
-            </a:r>
-          </a:p>
-          <a:p>
-            <a:pPr lvl="1"/>
-            <a:r>
-              <a:rPr lang="en-US" dirty="0"/>
-              <a:t>Data with 162 observations from 17 Indian states from 1909</a:t>
+              <a:t>Indian cranial measurements (1909)</a:t>
             </a:r>
           </a:p>
           <a:p>
@@ -3602,7 +4404,7 @@
         </p:nvSpPr>
         <p:spPr>
           <a:xfrm>
-            <a:off x="3288146" y="5600845"/>
+            <a:off x="3279269" y="5902685"/>
             <a:ext cx="2216727" cy="461665"/>
           </a:xfrm>
           <a:prstGeom prst="rect">
@@ -4094,14 +4896,21 @@
             <a:pPr lvl="1"/>
             <a:r>
               <a:rPr lang="en-US" dirty="0"/>
+              <a:t>Cranial measurement observations</a:t>
+            </a:r>
+          </a:p>
+          <a:p>
+            <a:pPr lvl="2"/>
+            <a:r>
+              <a:rPr lang="en-US" dirty="0"/>
+              <a:t>162 observations from 17 Indian states from 1909</a:t>
+            </a:r>
+          </a:p>
+          <a:p>
+            <a:pPr lvl="1"/>
+            <a:r>
+              <a:rPr lang="en-US" dirty="0"/>
               <a:t>State boundaries – India and Sri Lanka</a:t>
-            </a:r>
-          </a:p>
-          <a:p>
-            <a:pPr lvl="1"/>
-            <a:r>
-              <a:rPr lang="en-US" dirty="0"/>
-              <a:t>Cranial measurement observations</a:t>
             </a:r>
           </a:p>
           <a:p>
@@ -4117,10 +4926,10 @@
       </p:sp>
       <p:pic>
         <p:nvPicPr>
-          <p:cNvPr id="5" name="Picture 4">
-            <a:extLst>
-              <a:ext uri="{FF2B5EF4-FFF2-40B4-BE49-F238E27FC236}">
-                <a16:creationId xmlns:a16="http://schemas.microsoft.com/office/drawing/2014/main" id="{690AE6AD-C0B4-410F-A135-DB9683D9B941}"/>
+          <p:cNvPr id="15" name="Picture 14" descr="A picture containing appliance&#10;&#10;Description automatically generated">
+            <a:extLst>
+              <a:ext uri="{FF2B5EF4-FFF2-40B4-BE49-F238E27FC236}">
+                <a16:creationId xmlns:a16="http://schemas.microsoft.com/office/drawing/2014/main" id="{FAA29B57-9AA9-4ED4-88A0-2788EBB74A43}"/>
               </a:ext>
             </a:extLst>
           </p:cNvPr>
@@ -4130,21 +4939,78 @@
           <p:nvPr/>
         </p:nvPicPr>
         <p:blipFill>
-          <a:blip r:embed="rId2"/>
+          <a:blip r:embed="rId2">
+            <a:extLst>
+              <a:ext uri="{28A0092B-C50C-407E-A947-70E740481C1C}">
+                <a14:useLocalDpi xmlns:a14="http://schemas.microsoft.com/office/drawing/2010/main" val="0"/>
+              </a:ext>
+              <a:ext uri="{837473B0-CC2E-450A-ABE3-18F120FF3D39}">
+                <a1611:picAttrSrcUrl xmlns:a1611="http://schemas.microsoft.com/office/drawing/2016/11/main" r:id="rId3"/>
+              </a:ext>
+            </a:extLst>
+          </a:blip>
           <a:stretch>
             <a:fillRect/>
           </a:stretch>
         </p:blipFill>
         <p:spPr>
           <a:xfrm>
-            <a:off x="4209819" y="208137"/>
-            <a:ext cx="7734738" cy="4773438"/>
+            <a:off x="5438823" y="452045"/>
+            <a:ext cx="6324301" cy="3988030"/>
           </a:xfrm>
           <a:prstGeom prst="rect">
             <a:avLst/>
           </a:prstGeom>
         </p:spPr>
       </p:pic>
+      <p:sp>
+        <p:nvSpPr>
+          <p:cNvPr id="16" name="TextBox 15">
+            <a:extLst>
+              <a:ext uri="{FF2B5EF4-FFF2-40B4-BE49-F238E27FC236}">
+                <a16:creationId xmlns:a16="http://schemas.microsoft.com/office/drawing/2014/main" id="{522F2A40-4797-4BA9-83E4-AF3C0D97B6B2}"/>
+              </a:ext>
+            </a:extLst>
+          </p:cNvPr>
+          <p:cNvSpPr txBox="1"/>
+          <p:nvPr/>
+        </p:nvSpPr>
+        <p:spPr>
+          <a:xfrm>
+            <a:off x="5363409" y="4489288"/>
+            <a:ext cx="4072822" cy="230832"/>
+          </a:xfrm>
+          <a:prstGeom prst="rect">
+            <a:avLst/>
+          </a:prstGeom>
+          <a:noFill/>
+        </p:spPr>
+        <p:txBody>
+          <a:bodyPr wrap="square" rtlCol="0">
+            <a:spAutoFit/>
+          </a:bodyPr>
+          <a:lstStyle/>
+          <a:p>
+            <a:r>
+              <a:rPr lang="en-US" sz="900" dirty="0">
+                <a:hlinkClick r:id="rId3" tooltip="https://scielo.conicyt.cl/scielo.php?script=sci_arttext&amp;pid=S0717-95022005000300011"/>
+              </a:rPr>
+              <a:t>This Photo</a:t>
+            </a:r>
+            <a:r>
+              <a:rPr lang="en-US" sz="900" dirty="0"/>
+              <a:t> by Unknown Author is licensed under </a:t>
+            </a:r>
+            <a:r>
+              <a:rPr lang="en-US" sz="900" dirty="0">
+                <a:hlinkClick r:id="rId4" tooltip="https://creativecommons.org/licenses/by-nc/3.0/"/>
+              </a:rPr>
+              <a:t>CC BY-NC</a:t>
+            </a:r>
+            <a:endParaRPr lang="en-US" sz="900" dirty="0"/>
+          </a:p>
+        </p:txBody>
+      </p:sp>
     </p:spTree>
     <p:extLst>
       <p:ext uri="{BB962C8B-B14F-4D97-AF65-F5344CB8AC3E}">
@@ -4219,21 +5085,20 @@
             <p:ph idx="1"/>
           </p:nvPr>
         </p:nvSpPr>
-        <p:spPr/>
+        <p:spPr>
+          <a:xfrm>
+            <a:off x="838200" y="1825625"/>
+            <a:ext cx="5766786" cy="4823750"/>
+          </a:xfrm>
+        </p:spPr>
         <p:txBody>
           <a:bodyPr>
-            <a:normAutofit fontScale="92500" lnSpcReduction="10000"/>
+            <a:normAutofit fontScale="92500" lnSpcReduction="20000"/>
           </a:bodyPr>
           <a:lstStyle/>
           <a:p>
             <a:r>
               <a:rPr lang="en-US" dirty="0"/>
-              <a:t>Did not parse values by sex</a:t>
-            </a:r>
-          </a:p>
-          <a:p>
-            <a:r>
-              <a:rPr lang="en-US" dirty="0"/>
               <a:t>Aggregating values to state level</a:t>
             </a:r>
           </a:p>
@@ -4241,7 +5106,14 @@
             <a:pPr lvl="1"/>
             <a:r>
               <a:rPr lang="en-US" dirty="0"/>
-              <a:t>Mean and median</a:t>
+              <a:t>17 measurements x mean and median</a:t>
+            </a:r>
+          </a:p>
+          <a:p>
+            <a:pPr lvl="1"/>
+            <a:r>
+              <a:rPr lang="en-US" dirty="0"/>
+              <a:t>34 aggregate values </a:t>
             </a:r>
           </a:p>
           <a:p>
@@ -4314,6 +5186,19 @@
             </a:r>
           </a:p>
           <a:p>
+            <a:pPr lvl="2"/>
+            <a:r>
+              <a:rPr lang="en-US" dirty="0"/>
+              <a:t>10,000 iterations</a:t>
+            </a:r>
+          </a:p>
+          <a:p>
+            <a:r>
+              <a:rPr lang="en-US" dirty="0"/>
+              <a:t>Calculate LISA’s</a:t>
+            </a:r>
+          </a:p>
+          <a:p>
             <a:endParaRPr lang="en-US" dirty="0"/>
           </a:p>
           <a:p>
@@ -4327,6 +5212,35 @@
           </a:p>
         </p:txBody>
       </p:sp>
+      <p:pic>
+        <p:nvPicPr>
+          <p:cNvPr id="4" name="Picture 3">
+            <a:extLst>
+              <a:ext uri="{FF2B5EF4-FFF2-40B4-BE49-F238E27FC236}">
+                <a16:creationId xmlns:a16="http://schemas.microsoft.com/office/drawing/2014/main" id="{8CE115F4-EC9B-4C51-AE58-F1985C4B844E}"/>
+              </a:ext>
+            </a:extLst>
+          </p:cNvPr>
+          <p:cNvPicPr>
+            <a:picLocks noChangeAspect="1"/>
+          </p:cNvPicPr>
+          <p:nvPr/>
+        </p:nvPicPr>
+        <p:blipFill rotWithShape="1">
+          <a:blip r:embed="rId2"/>
+          <a:srcRect l="13254" r="13301"/>
+          <a:stretch/>
+        </p:blipFill>
+        <p:spPr>
+          <a:xfrm>
+            <a:off x="6604986" y="1219311"/>
+            <a:ext cx="5259354" cy="4419378"/>
+          </a:xfrm>
+          <a:prstGeom prst="rect">
+            <a:avLst/>
+          </a:prstGeom>
+        </p:spPr>
+      </p:pic>
     </p:spTree>
     <p:extLst>
       <p:ext uri="{BB962C8B-B14F-4D97-AF65-F5344CB8AC3E}">
@@ -4362,174 +5276,6 @@
           <p:cNvPr id="2" name="Title 1">
             <a:extLst>
               <a:ext uri="{FF2B5EF4-FFF2-40B4-BE49-F238E27FC236}">
-                <a16:creationId xmlns:a16="http://schemas.microsoft.com/office/drawing/2014/main" id="{46F2E27A-9451-4403-8BBD-F769236FD6AC}"/>
-              </a:ext>
-            </a:extLst>
-          </p:cNvPr>
-          <p:cNvSpPr>
-            <a:spLocks noGrp="1"/>
-          </p:cNvSpPr>
-          <p:nvPr>
-            <p:ph type="title"/>
-          </p:nvPr>
-        </p:nvSpPr>
-        <p:spPr>
-          <a:xfrm>
-            <a:off x="838200" y="309707"/>
-            <a:ext cx="10515600" cy="1325563"/>
-          </a:xfrm>
-        </p:spPr>
-        <p:txBody>
-          <a:bodyPr/>
-          <a:lstStyle/>
-          <a:p>
-            <a:r>
-              <a:rPr lang="en-US" dirty="0"/>
-              <a:t>Challenges</a:t>
-            </a:r>
-          </a:p>
-        </p:txBody>
-      </p:sp>
-      <p:sp>
-        <p:nvSpPr>
-          <p:cNvPr id="3" name="Content Placeholder 2">
-            <a:extLst>
-              <a:ext uri="{FF2B5EF4-FFF2-40B4-BE49-F238E27FC236}">
-                <a16:creationId xmlns:a16="http://schemas.microsoft.com/office/drawing/2014/main" id="{8AFE5B9D-0477-4C8D-90EC-9F6BF17F657E}"/>
-              </a:ext>
-            </a:extLst>
-          </p:cNvPr>
-          <p:cNvSpPr>
-            <a:spLocks noGrp="1"/>
-          </p:cNvSpPr>
-          <p:nvPr>
-            <p:ph idx="1"/>
-          </p:nvPr>
-        </p:nvSpPr>
-        <p:spPr>
-          <a:xfrm>
-            <a:off x="838200" y="1825625"/>
-            <a:ext cx="10515600" cy="4667250"/>
-          </a:xfrm>
-        </p:spPr>
-        <p:txBody>
-          <a:bodyPr>
-            <a:normAutofit/>
-          </a:bodyPr>
-          <a:lstStyle/>
-          <a:p>
-            <a:r>
-              <a:rPr lang="en-US" dirty="0"/>
-              <a:t>Draft tabular data</a:t>
-            </a:r>
-          </a:p>
-          <a:p>
-            <a:r>
-              <a:rPr lang="en-US" dirty="0"/>
-              <a:t>Changes in boundaries (1909 vs 2020)</a:t>
-            </a:r>
-          </a:p>
-          <a:p>
-            <a:r>
-              <a:rPr lang="en-US" dirty="0"/>
-              <a:t>Spatial scale and quantity of observations</a:t>
-            </a:r>
-          </a:p>
-          <a:p>
-            <a:pPr lvl="1"/>
-            <a:r>
-              <a:rPr lang="en-US" dirty="0"/>
-              <a:t>Aggregation required</a:t>
-            </a:r>
-          </a:p>
-          <a:p>
-            <a:r>
-              <a:rPr lang="en-US" dirty="0"/>
-              <a:t>Spatial data availability</a:t>
-            </a:r>
-          </a:p>
-          <a:p>
-            <a:pPr lvl="1"/>
-            <a:r>
-              <a:rPr lang="en-US" dirty="0"/>
-              <a:t>ArcGIS Online workaround</a:t>
-            </a:r>
-          </a:p>
-          <a:p>
-            <a:r>
-              <a:rPr lang="en-US" dirty="0"/>
-              <a:t>Methodology in forensic anthropology </a:t>
-            </a:r>
-          </a:p>
-          <a:p>
-            <a:pPr lvl="1"/>
-            <a:r>
-              <a:rPr lang="en-US" dirty="0"/>
-              <a:t>Component/discrimination analysis vs Spatial Autocorrelation</a:t>
-            </a:r>
-          </a:p>
-          <a:p>
-            <a:r>
-              <a:rPr lang="en-US" dirty="0"/>
-              <a:t>Learning </a:t>
-            </a:r>
-            <a:r>
-              <a:rPr lang="en-US" i="1" dirty="0"/>
-              <a:t>purr::map </a:t>
-            </a:r>
-            <a:r>
-              <a:rPr lang="en-US" dirty="0"/>
-              <a:t>functions</a:t>
-            </a:r>
-          </a:p>
-          <a:p>
-            <a:pPr lvl="1"/>
-            <a:r>
-              <a:rPr lang="en-US" dirty="0" err="1"/>
-              <a:t>Seba</a:t>
-            </a:r>
-            <a:endParaRPr lang="en-US" dirty="0"/>
-          </a:p>
-          <a:p>
-            <a:endParaRPr lang="en-US" dirty="0"/>
-          </a:p>
-        </p:txBody>
-      </p:sp>
-    </p:spTree>
-    <p:extLst>
-      <p:ext uri="{BB962C8B-B14F-4D97-AF65-F5344CB8AC3E}">
-        <p14:creationId xmlns:p14="http://schemas.microsoft.com/office/powerpoint/2010/main" val="2019809060"/>
-      </p:ext>
-    </p:extLst>
-  </p:cSld>
-  <p:clrMapOvr>
-    <a:masterClrMapping/>
-  </p:clrMapOvr>
-</p:sld>
-</file>
-
-<file path=ppt/slides/slide6.xml><?xml version="1.0" encoding="utf-8"?>
-<p:sld xmlns:a="http://schemas.openxmlformats.org/drawingml/2006/main" xmlns:r="http://schemas.openxmlformats.org/officeDocument/2006/relationships" xmlns:p="http://schemas.openxmlformats.org/presentationml/2006/main">
-  <p:cSld>
-    <p:spTree>
-      <p:nvGrpSpPr>
-        <p:cNvPr id="1" name=""/>
-        <p:cNvGrpSpPr/>
-        <p:nvPr/>
-      </p:nvGrpSpPr>
-      <p:grpSpPr>
-        <a:xfrm>
-          <a:off x="0" y="0"/>
-          <a:ext cx="0" cy="0"/>
-          <a:chOff x="0" y="0"/>
-          <a:chExt cx="0" cy="0"/>
-        </a:xfrm>
-      </p:grpSpPr>
-      <p:sp>
-        <p:nvSpPr>
-          <p:cNvPr id="2" name="Title 1">
-            <a:extLst>
-              <a:ext uri="{FF2B5EF4-FFF2-40B4-BE49-F238E27FC236}">
                 <a16:creationId xmlns:a16="http://schemas.microsoft.com/office/drawing/2014/main" id="{43F23A20-4771-4A21-8A54-8A30E6CAED21}"/>
               </a:ext>
             </a:extLst>
@@ -4602,13 +5348,8 @@
             <a:pPr lvl="1"/>
             <a:r>
               <a:rPr lang="en-US" dirty="0"/>
-              <a:t>5 cranial measurements in </a:t>
-            </a:r>
-            <a:r>
-              <a:rPr lang="en-US" dirty="0" err="1"/>
-              <a:t>moran.test</a:t>
-            </a:r>
-            <a:endParaRPr lang="en-US" dirty="0"/>
+              <a:t>5 cranial measurements in moran.mc</a:t>
+            </a:r>
           </a:p>
           <a:p>
             <a:pPr lvl="1"/>
@@ -4747,7 +5488,7 @@
 </p:sld>
 </file>
 
-<file path=ppt/slides/slide7.xml><?xml version="1.0" encoding="utf-8"?>
+<file path=ppt/slides/slide6.xml><?xml version="1.0" encoding="utf-8"?>
 <p:sld xmlns:a="http://schemas.openxmlformats.org/drawingml/2006/main" xmlns:r="http://schemas.openxmlformats.org/officeDocument/2006/relationships" xmlns:p="http://schemas.openxmlformats.org/presentationml/2006/main">
   <p:cSld>
     <p:spTree>
@@ -4888,6 +5629,133 @@
 </p:sld>
 </file>
 
+<file path=ppt/slides/slide7.xml><?xml version="1.0" encoding="utf-8"?>
+<p:sld xmlns:a="http://schemas.openxmlformats.org/drawingml/2006/main" xmlns:r="http://schemas.openxmlformats.org/officeDocument/2006/relationships" xmlns:p="http://schemas.openxmlformats.org/presentationml/2006/main">
+  <p:cSld>
+    <p:spTree>
+      <p:nvGrpSpPr>
+        <p:cNvPr id="1" name=""/>
+        <p:cNvGrpSpPr/>
+        <p:nvPr/>
+      </p:nvGrpSpPr>
+      <p:grpSpPr>
+        <a:xfrm>
+          <a:off x="0" y="0"/>
+          <a:ext cx="0" cy="0"/>
+          <a:chOff x="0" y="0"/>
+          <a:chExt cx="0" cy="0"/>
+        </a:xfrm>
+      </p:grpSpPr>
+      <p:sp>
+        <p:nvSpPr>
+          <p:cNvPr id="2" name="Title 1">
+            <a:extLst>
+              <a:ext uri="{FF2B5EF4-FFF2-40B4-BE49-F238E27FC236}">
+                <a16:creationId xmlns:a16="http://schemas.microsoft.com/office/drawing/2014/main" id="{0DACC8C7-74BD-49D5-AD82-48793367E15A}"/>
+              </a:ext>
+            </a:extLst>
+          </p:cNvPr>
+          <p:cNvSpPr>
+            <a:spLocks noGrp="1"/>
+          </p:cNvSpPr>
+          <p:nvPr>
+            <p:ph type="title"/>
+          </p:nvPr>
+        </p:nvSpPr>
+        <p:spPr/>
+        <p:txBody>
+          <a:bodyPr/>
+          <a:lstStyle/>
+          <a:p>
+            <a:r>
+              <a:rPr lang="en-US" dirty="0"/>
+              <a:t>Implications</a:t>
+            </a:r>
+          </a:p>
+        </p:txBody>
+      </p:sp>
+      <p:sp>
+        <p:nvSpPr>
+          <p:cNvPr id="3" name="Content Placeholder 2">
+            <a:extLst>
+              <a:ext uri="{FF2B5EF4-FFF2-40B4-BE49-F238E27FC236}">
+                <a16:creationId xmlns:a16="http://schemas.microsoft.com/office/drawing/2014/main" id="{75DD80CF-60E0-4507-98B6-0A7DDDFAD6BC}"/>
+              </a:ext>
+            </a:extLst>
+          </p:cNvPr>
+          <p:cNvSpPr>
+            <a:spLocks noGrp="1"/>
+          </p:cNvSpPr>
+          <p:nvPr>
+            <p:ph idx="1"/>
+          </p:nvPr>
+        </p:nvSpPr>
+        <p:spPr/>
+        <p:txBody>
+          <a:bodyPr/>
+          <a:lstStyle/>
+          <a:p>
+            <a:r>
+              <a:rPr lang="en-US" dirty="0"/>
+              <a:t>Some cranial measurements show low to moderate spatial clustering at state-level</a:t>
+            </a:r>
+          </a:p>
+          <a:p>
+            <a:pPr lvl="1"/>
+            <a:r>
+              <a:rPr lang="en-US" dirty="0"/>
+              <a:t>Okay for pilot study</a:t>
+            </a:r>
+          </a:p>
+          <a:p>
+            <a:pPr lvl="1"/>
+            <a:r>
+              <a:rPr lang="en-US" dirty="0"/>
+              <a:t>Help narrow focus for next stage of study </a:t>
+            </a:r>
+          </a:p>
+          <a:p>
+            <a:pPr lvl="1"/>
+            <a:r>
+              <a:rPr lang="en-US" dirty="0"/>
+              <a:t>Limited definitive conclusions</a:t>
+            </a:r>
+          </a:p>
+          <a:p>
+            <a:pPr lvl="2"/>
+            <a:r>
+              <a:rPr lang="en-US" dirty="0"/>
+              <a:t>Warrants further study/other methodology</a:t>
+            </a:r>
+          </a:p>
+          <a:p>
+            <a:r>
+              <a:rPr lang="en-US" dirty="0"/>
+              <a:t>Unable to determine influence of sex</a:t>
+            </a:r>
+          </a:p>
+          <a:p>
+            <a:pPr lvl="1"/>
+            <a:r>
+              <a:rPr lang="en-US" dirty="0"/>
+              <a:t>Not parsed in this study</a:t>
+            </a:r>
+          </a:p>
+        </p:txBody>
+      </p:sp>
+    </p:spTree>
+    <p:extLst>
+      <p:ext uri="{BB962C8B-B14F-4D97-AF65-F5344CB8AC3E}">
+        <p14:creationId xmlns:p14="http://schemas.microsoft.com/office/powerpoint/2010/main" val="2346934398"/>
+      </p:ext>
+    </p:extLst>
+  </p:cSld>
+  <p:clrMapOvr>
+    <a:masterClrMapping/>
+  </p:clrMapOvr>
+</p:sld>
+</file>
+
 <file path=ppt/slides/slide8.xml><?xml version="1.0" encoding="utf-8"?>
 <p:sld xmlns:a="http://schemas.openxmlformats.org/drawingml/2006/main" xmlns:r="http://schemas.openxmlformats.org/officeDocument/2006/relationships" xmlns:p="http://schemas.openxmlformats.org/presentationml/2006/main">
   <p:cSld>
@@ -4910,7 +5778,7 @@
           <p:cNvPr id="2" name="Title 1">
             <a:extLst>
               <a:ext uri="{FF2B5EF4-FFF2-40B4-BE49-F238E27FC236}">
-                <a16:creationId xmlns:a16="http://schemas.microsoft.com/office/drawing/2014/main" id="{0DACC8C7-74BD-49D5-AD82-48793367E15A}"/>
+                <a16:creationId xmlns:a16="http://schemas.microsoft.com/office/drawing/2014/main" id="{46F2E27A-9451-4403-8BBD-F769236FD6AC}"/>
               </a:ext>
             </a:extLst>
           </p:cNvPr>
@@ -4921,14 +5789,19 @@
             <p:ph type="title"/>
           </p:nvPr>
         </p:nvSpPr>
-        <p:spPr/>
+        <p:spPr>
+          <a:xfrm>
+            <a:off x="838200" y="309707"/>
+            <a:ext cx="10515600" cy="1325563"/>
+          </a:xfrm>
+        </p:spPr>
         <p:txBody>
           <a:bodyPr/>
           <a:lstStyle/>
           <a:p>
             <a:r>
               <a:rPr lang="en-US" dirty="0"/>
-              <a:t>Implications</a:t>
+              <a:t>Challenges</a:t>
             </a:r>
           </a:p>
         </p:txBody>
@@ -4938,7 +5811,7 @@
           <p:cNvPr id="3" name="Content Placeholder 2">
             <a:extLst>
               <a:ext uri="{FF2B5EF4-FFF2-40B4-BE49-F238E27FC236}">
-                <a16:creationId xmlns:a16="http://schemas.microsoft.com/office/drawing/2014/main" id="{75DD80CF-60E0-4507-98B6-0A7DDDFAD6BC}"/>
+                <a16:creationId xmlns:a16="http://schemas.microsoft.com/office/drawing/2014/main" id="{8AFE5B9D-0477-4C8D-90EC-9F6BF17F657E}"/>
               </a:ext>
             </a:extLst>
           </p:cNvPr>
@@ -4949,63 +5822,99 @@
             <p:ph idx="1"/>
           </p:nvPr>
         </p:nvSpPr>
-        <p:spPr/>
-        <p:txBody>
-          <a:bodyPr/>
-          <a:lstStyle/>
-          <a:p>
-            <a:r>
-              <a:rPr lang="en-US" dirty="0"/>
-              <a:t>Some cranial measurements show low to moderate spatial clustering at state-level</a:t>
+        <p:spPr>
+          <a:xfrm>
+            <a:off x="838200" y="1825625"/>
+            <a:ext cx="10515600" cy="4667250"/>
+          </a:xfrm>
+        </p:spPr>
+        <p:txBody>
+          <a:bodyPr>
+            <a:normAutofit/>
+          </a:bodyPr>
+          <a:lstStyle/>
+          <a:p>
+            <a:r>
+              <a:rPr lang="en-US" dirty="0"/>
+              <a:t>Draft tabular data</a:t>
+            </a:r>
+          </a:p>
+          <a:p>
+            <a:r>
+              <a:rPr lang="en-US" dirty="0"/>
+              <a:t>Changes in boundaries (1909 vs 2020)</a:t>
+            </a:r>
+          </a:p>
+          <a:p>
+            <a:r>
+              <a:rPr lang="en-US" dirty="0"/>
+              <a:t>Spatial scale and quantity of observations</a:t>
             </a:r>
           </a:p>
           <a:p>
             <a:pPr lvl="1"/>
             <a:r>
               <a:rPr lang="en-US" dirty="0"/>
-              <a:t>Okay for pilot study</a:t>
+              <a:t>Aggregation required</a:t>
+            </a:r>
+          </a:p>
+          <a:p>
+            <a:r>
+              <a:rPr lang="en-US" dirty="0"/>
+              <a:t>Spatial data availability</a:t>
             </a:r>
           </a:p>
           <a:p>
             <a:pPr lvl="1"/>
             <a:r>
               <a:rPr lang="en-US" dirty="0"/>
-              <a:t>Narrows focus for next stage of study </a:t>
-            </a:r>
-          </a:p>
-          <a:p>
-            <a:pPr lvl="2"/>
-            <a:r>
-              <a:rPr lang="en-US" dirty="0"/>
-              <a:t>Increase granularity</a:t>
+              <a:t>ArcGIS Online workaround</a:t>
+            </a:r>
+          </a:p>
+          <a:p>
+            <a:r>
+              <a:rPr lang="en-US" dirty="0"/>
+              <a:t>Methodology in forensic anthropology </a:t>
             </a:r>
           </a:p>
           <a:p>
             <a:pPr lvl="1"/>
             <a:r>
               <a:rPr lang="en-US" dirty="0"/>
-              <a:t>Limited definite conclusions</a:t>
-            </a:r>
-          </a:p>
-          <a:p>
-            <a:r>
-              <a:rPr lang="en-US" dirty="0"/>
-              <a:t>Further examination of impacts of sex needed</a:t>
+              <a:t>Component/discrimination analysis vs Spatial Autocorrelation</a:t>
+            </a:r>
+          </a:p>
+          <a:p>
+            <a:r>
+              <a:rPr lang="en-US" dirty="0"/>
+              <a:t>Learning </a:t>
+            </a:r>
+            <a:r>
+              <a:rPr lang="en-US" i="1" dirty="0"/>
+              <a:t>purr::map </a:t>
+            </a:r>
+            <a:r>
+              <a:rPr lang="en-US" dirty="0"/>
+              <a:t>functions</a:t>
             </a:r>
           </a:p>
           <a:p>
             <a:pPr lvl="1"/>
             <a:r>
-              <a:rPr lang="en-US" dirty="0"/>
-              <a:t>Not delineated in this study</a:t>
-            </a:r>
+              <a:rPr lang="en-US" dirty="0" err="1"/>
+              <a:t>Seba</a:t>
+            </a:r>
+            <a:endParaRPr lang="en-US" dirty="0"/>
+          </a:p>
+          <a:p>
+            <a:endParaRPr lang="en-US" dirty="0"/>
           </a:p>
         </p:txBody>
       </p:sp>
     </p:spTree>
     <p:extLst>
       <p:ext uri="{BB962C8B-B14F-4D97-AF65-F5344CB8AC3E}">
-        <p14:creationId xmlns:p14="http://schemas.microsoft.com/office/powerpoint/2010/main" val="2346934398"/>
+        <p14:creationId xmlns:p14="http://schemas.microsoft.com/office/powerpoint/2010/main" val="2019809060"/>
       </p:ext>
     </p:extLst>
   </p:cSld>
@@ -5128,7 +6037,7 @@
           <a:p>
             <a:r>
               <a:rPr lang="en-US" dirty="0"/>
-              <a:t>1-2 publications</a:t>
+              <a:t>Publication</a:t>
             </a:r>
           </a:p>
         </p:txBody>

--- a/Final_project/FinalPresentationLaws.pptx
+++ b/Final_project/FinalPresentationLaws.pptx
@@ -3493,6 +3493,21 @@
           </a:p>
           <a:p>
             <a:r>
+              <a:rPr lang="en-US">
+                <a:ln w="3175">
+                  <a:noFill/>
+                </a:ln>
+                <a:effectLst>
+                  <a:outerShdw blurRad="50800" dist="38100" dir="5400000" algn="t" rotWithShape="0">
+                    <a:prstClr val="black">
+                      <a:alpha val="40000"/>
+                    </a:prstClr>
+                  </a:outerShdw>
+                </a:effectLst>
+              </a:rPr>
+              <a:t>GEOG 891 </a:t>
+            </a:r>
+            <a:r>
               <a:rPr lang="en-US" dirty="0">
                 <a:ln w="3175">
                   <a:noFill/>
@@ -3505,7 +3520,7 @@
                   </a:outerShdw>
                 </a:effectLst>
               </a:rPr>
-              <a:t>GEOG 897 Spatial Analysis with R</a:t>
+              <a:t>Spatial Analysis with R</a:t>
             </a:r>
           </a:p>
           <a:p>
